--- a/spec/ouS/RequesterModel.pptx
+++ b/spec/ouS/RequesterModel.pptx
@@ -288,7 +288,7 @@
           <a:p>
             <a:fld id="{E33C5B52-17DE-413E-8471-A5B3BA7AB28C}" type="datetimeFigureOut">
               <a:rPr lang="ru-RU" smtClean="0"/>
-              <a:t>11.02.2015</a:t>
+              <a:t>13.02.2015</a:t>
             </a:fld>
             <a:endParaRPr lang="ru-RU"/>
           </a:p>
@@ -458,7 +458,7 @@
           <a:p>
             <a:fld id="{E33C5B52-17DE-413E-8471-A5B3BA7AB28C}" type="datetimeFigureOut">
               <a:rPr lang="ru-RU" smtClean="0"/>
-              <a:t>11.02.2015</a:t>
+              <a:t>13.02.2015</a:t>
             </a:fld>
             <a:endParaRPr lang="ru-RU"/>
           </a:p>
@@ -638,7 +638,7 @@
           <a:p>
             <a:fld id="{E33C5B52-17DE-413E-8471-A5B3BA7AB28C}" type="datetimeFigureOut">
               <a:rPr lang="ru-RU" smtClean="0"/>
-              <a:t>11.02.2015</a:t>
+              <a:t>13.02.2015</a:t>
             </a:fld>
             <a:endParaRPr lang="ru-RU"/>
           </a:p>
@@ -808,7 +808,7 @@
           <a:p>
             <a:fld id="{E33C5B52-17DE-413E-8471-A5B3BA7AB28C}" type="datetimeFigureOut">
               <a:rPr lang="ru-RU" smtClean="0"/>
-              <a:t>11.02.2015</a:t>
+              <a:t>13.02.2015</a:t>
             </a:fld>
             <a:endParaRPr lang="ru-RU"/>
           </a:p>
@@ -1054,7 +1054,7 @@
           <a:p>
             <a:fld id="{E33C5B52-17DE-413E-8471-A5B3BA7AB28C}" type="datetimeFigureOut">
               <a:rPr lang="ru-RU" smtClean="0"/>
-              <a:t>11.02.2015</a:t>
+              <a:t>13.02.2015</a:t>
             </a:fld>
             <a:endParaRPr lang="ru-RU"/>
           </a:p>
@@ -1342,7 +1342,7 @@
           <a:p>
             <a:fld id="{E33C5B52-17DE-413E-8471-A5B3BA7AB28C}" type="datetimeFigureOut">
               <a:rPr lang="ru-RU" smtClean="0"/>
-              <a:t>11.02.2015</a:t>
+              <a:t>13.02.2015</a:t>
             </a:fld>
             <a:endParaRPr lang="ru-RU"/>
           </a:p>
@@ -1764,7 +1764,7 @@
           <a:p>
             <a:fld id="{E33C5B52-17DE-413E-8471-A5B3BA7AB28C}" type="datetimeFigureOut">
               <a:rPr lang="ru-RU" smtClean="0"/>
-              <a:t>11.02.2015</a:t>
+              <a:t>13.02.2015</a:t>
             </a:fld>
             <a:endParaRPr lang="ru-RU"/>
           </a:p>
@@ -1882,7 +1882,7 @@
           <a:p>
             <a:fld id="{E33C5B52-17DE-413E-8471-A5B3BA7AB28C}" type="datetimeFigureOut">
               <a:rPr lang="ru-RU" smtClean="0"/>
-              <a:t>11.02.2015</a:t>
+              <a:t>13.02.2015</a:t>
             </a:fld>
             <a:endParaRPr lang="ru-RU"/>
           </a:p>
@@ -1977,7 +1977,7 @@
           <a:p>
             <a:fld id="{E33C5B52-17DE-413E-8471-A5B3BA7AB28C}" type="datetimeFigureOut">
               <a:rPr lang="ru-RU" smtClean="0"/>
-              <a:t>11.02.2015</a:t>
+              <a:t>13.02.2015</a:t>
             </a:fld>
             <a:endParaRPr lang="ru-RU"/>
           </a:p>
@@ -2254,7 +2254,7 @@
           <a:p>
             <a:fld id="{E33C5B52-17DE-413E-8471-A5B3BA7AB28C}" type="datetimeFigureOut">
               <a:rPr lang="ru-RU" smtClean="0"/>
-              <a:t>11.02.2015</a:t>
+              <a:t>13.02.2015</a:t>
             </a:fld>
             <a:endParaRPr lang="ru-RU"/>
           </a:p>
@@ -2507,7 +2507,7 @@
           <a:p>
             <a:fld id="{E33C5B52-17DE-413E-8471-A5B3BA7AB28C}" type="datetimeFigureOut">
               <a:rPr lang="ru-RU" smtClean="0"/>
-              <a:t>11.02.2015</a:t>
+              <a:t>13.02.2015</a:t>
             </a:fld>
             <a:endParaRPr lang="ru-RU"/>
           </a:p>
@@ -2720,7 +2720,7 @@
           <a:p>
             <a:fld id="{E33C5B52-17DE-413E-8471-A5B3BA7AB28C}" type="datetimeFigureOut">
               <a:rPr lang="ru-RU" smtClean="0"/>
-              <a:t>11.02.2015</a:t>
+              <a:t>13.02.2015</a:t>
             </a:fld>
             <a:endParaRPr lang="ru-RU"/>
           </a:p>
@@ -3103,7 +3103,7 @@
         </p:nvSpPr>
         <p:spPr>
           <a:xfrm>
-            <a:off x="2741138" y="141051"/>
+            <a:off x="2843808" y="141051"/>
             <a:ext cx="563167" cy="369332"/>
           </a:xfrm>
           <a:prstGeom prst="rect">
@@ -3138,7 +3138,7 @@
         </p:nvSpPr>
         <p:spPr>
           <a:xfrm>
-            <a:off x="3112223" y="836712"/>
+            <a:off x="3214893" y="836712"/>
             <a:ext cx="829073" cy="369332"/>
           </a:xfrm>
           <a:prstGeom prst="rect">
@@ -3200,41 +3200,6 @@
           </a:p>
         </p:txBody>
       </p:sp>
-      <p:sp>
-        <p:nvSpPr>
-          <p:cNvPr id="7" name="TextBox 6"/>
-          <p:cNvSpPr txBox="1"/>
-          <p:nvPr/>
-        </p:nvSpPr>
-        <p:spPr>
-          <a:xfrm>
-            <a:off x="1808069" y="1576694"/>
-            <a:ext cx="1062791" cy="369332"/>
-          </a:xfrm>
-          <a:prstGeom prst="rect">
-            <a:avLst/>
-          </a:prstGeom>
-          <a:noFill/>
-          <a:ln>
-            <a:solidFill>
-              <a:schemeClr val="tx1"/>
-            </a:solidFill>
-          </a:ln>
-        </p:spPr>
-        <p:txBody>
-          <a:bodyPr wrap="none" rtlCol="0">
-            <a:spAutoFit/>
-          </a:bodyPr>
-          <a:lstStyle/>
-          <a:p>
-            <a:r>
-              <a:rPr lang="en-US" dirty="0" smtClean="0"/>
-              <a:t>canceling</a:t>
-            </a:r>
-            <a:endParaRPr lang="ru-RU" dirty="0"/>
-          </a:p>
-        </p:txBody>
-      </p:sp>
       <p:cxnSp>
         <p:nvCxnSpPr>
           <p:cNvPr id="12" name="Curved Connector 11"/>
@@ -3247,7 +3212,7 @@
         <p:spPr>
           <a:xfrm rot="10800000" flipV="1">
             <a:off x="2334020" y="325716"/>
-            <a:ext cx="407118" cy="510995"/>
+            <a:ext cx="509788" cy="510995"/>
           </a:xfrm>
           <a:prstGeom prst="curvedConnector2">
             <a:avLst/>
@@ -3282,7 +3247,7 @@
         </p:nvCxnSpPr>
         <p:spPr>
           <a:xfrm rot="16200000" flipV="1">
-            <a:off x="3111577" y="421529"/>
+            <a:off x="3214247" y="421529"/>
             <a:ext cx="326329" cy="504038"/>
           </a:xfrm>
           <a:prstGeom prst="curvedConnector3">
@@ -3313,19 +3278,19 @@
         <p:nvCxnSpPr>
           <p:cNvPr id="107" name="Curved Connector 106"/>
           <p:cNvCxnSpPr>
-            <a:stCxn id="7" idx="1"/>
+            <a:stCxn id="16" idx="2"/>
             <a:endCxn id="6" idx="1"/>
           </p:cNvCxnSpPr>
           <p:nvPr/>
         </p:nvCxnSpPr>
         <p:spPr>
           <a:xfrm rot="10800000" flipH="1">
-            <a:off x="1808069" y="1021378"/>
-            <a:ext cx="88170" cy="739982"/>
+            <a:off x="1636129" y="1021379"/>
+            <a:ext cx="260109" cy="743221"/>
           </a:xfrm>
           <a:prstGeom prst="curvedConnector3">
             <a:avLst>
-              <a:gd name="adj1" fmla="val -259272"/>
+              <a:gd name="adj1" fmla="val -48825"/>
             </a:avLst>
           </a:prstGeom>
           <a:ln>
@@ -3355,7 +3320,7 @@
         </p:nvSpPr>
         <p:spPr>
           <a:xfrm>
-            <a:off x="3244413" y="1579933"/>
+            <a:off x="3347083" y="1579933"/>
             <a:ext cx="1016304" cy="369332"/>
           </a:xfrm>
           <a:prstGeom prst="rect">
@@ -3387,14 +3352,14 @@
           <p:cNvPr id="291" name="Straight Arrow Connector 290"/>
           <p:cNvCxnSpPr>
             <a:stCxn id="6" idx="2"/>
-            <a:endCxn id="7" idx="0"/>
+            <a:endCxn id="16" idx="0"/>
           </p:cNvCxnSpPr>
           <p:nvPr/>
         </p:nvCxnSpPr>
         <p:spPr>
           <a:xfrm>
             <a:off x="2334020" y="1206044"/>
-            <a:ext cx="5445" cy="370650"/>
+            <a:ext cx="0" cy="342531"/>
           </a:xfrm>
           <a:prstGeom prst="straightConnector1">
             <a:avLst/>
@@ -3429,7 +3394,7 @@
         </p:nvCxnSpPr>
         <p:spPr>
           <a:xfrm flipH="1" flipV="1">
-            <a:off x="3304305" y="325717"/>
+            <a:off x="3406975" y="325717"/>
             <a:ext cx="956412" cy="1438882"/>
           </a:xfrm>
           <a:prstGeom prst="curvedConnector3">
@@ -3494,7 +3459,7 @@
         </p:nvSpPr>
         <p:spPr>
           <a:xfrm>
-            <a:off x="3419872" y="580902"/>
+            <a:off x="3522542" y="580902"/>
             <a:ext cx="435889" cy="276999"/>
           </a:xfrm>
           <a:prstGeom prst="rect">
@@ -3524,7 +3489,7 @@
         </p:nvSpPr>
         <p:spPr>
           <a:xfrm>
-            <a:off x="4031161" y="1288340"/>
+            <a:off x="4133831" y="1288340"/>
             <a:ext cx="435889" cy="276999"/>
           </a:xfrm>
           <a:prstGeom prst="rect">
@@ -3584,7 +3549,7 @@
         </p:nvSpPr>
         <p:spPr>
           <a:xfrm rot="16200000">
-            <a:off x="1527484" y="1339189"/>
+            <a:off x="1427951" y="1376103"/>
             <a:ext cx="372410" cy="276999"/>
           </a:xfrm>
           <a:prstGeom prst="rect">
@@ -3648,7 +3613,7 @@
         <p:spPr>
           <a:xfrm>
             <a:off x="2771800" y="1021378"/>
-            <a:ext cx="340423" cy="0"/>
+            <a:ext cx="443093" cy="0"/>
           </a:xfrm>
           <a:prstGeom prst="straightConnector1">
             <a:avLst/>
@@ -3676,15 +3641,15 @@
         <p:nvCxnSpPr>
           <p:cNvPr id="580" name="Straight Arrow Connector 579"/>
           <p:cNvCxnSpPr>
-            <a:stCxn id="7" idx="3"/>
+            <a:stCxn id="16" idx="6"/>
             <a:endCxn id="287" idx="1"/>
           </p:cNvCxnSpPr>
           <p:nvPr/>
         </p:nvCxnSpPr>
         <p:spPr>
           <a:xfrm>
-            <a:off x="2870860" y="1761360"/>
-            <a:ext cx="373553" cy="3239"/>
+            <a:off x="3031910" y="1764599"/>
+            <a:ext cx="315173" cy="0"/>
           </a:xfrm>
           <a:prstGeom prst="straightConnector1">
             <a:avLst/>
@@ -3716,7 +3681,7 @@
         </p:nvSpPr>
         <p:spPr>
           <a:xfrm>
-            <a:off x="2805804" y="1504482"/>
+            <a:off x="2916208" y="1504482"/>
             <a:ext cx="503664" cy="276999"/>
           </a:xfrm>
           <a:prstGeom prst="rect">
@@ -3733,6 +3698,133 @@
             <a:r>
               <a:rPr lang="en-US" sz="1200" dirty="0" smtClean="0"/>
               <a:t>done</a:t>
+            </a:r>
+            <a:endParaRPr lang="ru-RU" sz="1200" dirty="0"/>
+          </a:p>
+        </p:txBody>
+      </p:sp>
+      <p:sp>
+        <p:nvSpPr>
+          <p:cNvPr id="16" name="Oval 15"/>
+          <p:cNvSpPr/>
+          <p:nvPr/>
+        </p:nvSpPr>
+        <p:spPr>
+          <a:xfrm>
+            <a:off x="1636130" y="1548575"/>
+            <a:ext cx="1395780" cy="432048"/>
+          </a:xfrm>
+          <a:prstGeom prst="ellipse">
+            <a:avLst/>
+          </a:prstGeom>
+          <a:solidFill>
+            <a:schemeClr val="bg1"/>
+          </a:solidFill>
+          <a:ln>
+            <a:solidFill>
+              <a:schemeClr val="tx1"/>
+            </a:solidFill>
+          </a:ln>
+        </p:spPr>
+        <p:style>
+          <a:lnRef idx="2">
+            <a:schemeClr val="accent1">
+              <a:shade val="50000"/>
+            </a:schemeClr>
+          </a:lnRef>
+          <a:fillRef idx="1">
+            <a:schemeClr val="accent1"/>
+          </a:fillRef>
+          <a:effectRef idx="0">
+            <a:schemeClr val="accent1"/>
+          </a:effectRef>
+          <a:fontRef idx="minor">
+            <a:schemeClr val="lt1"/>
+          </a:fontRef>
+        </p:style>
+        <p:txBody>
+          <a:bodyPr rtlCol="0" anchor="ctr"/>
+          <a:lstStyle/>
+          <a:p>
+            <a:r>
+              <a:rPr lang="en-US" sz="1600" dirty="0" smtClean="0">
+                <a:solidFill>
+                  <a:schemeClr val="tx1"/>
+                </a:solidFill>
+              </a:rPr>
+              <a:t>canceling</a:t>
+            </a:r>
+            <a:endParaRPr lang="ru-RU" sz="1600" dirty="0">
+              <a:solidFill>
+                <a:schemeClr val="tx1"/>
+              </a:solidFill>
+            </a:endParaRPr>
+          </a:p>
+        </p:txBody>
+      </p:sp>
+      <p:cxnSp>
+        <p:nvCxnSpPr>
+          <p:cNvPr id="24" name="Curved Connector 23"/>
+          <p:cNvCxnSpPr>
+            <a:stCxn id="16" idx="3"/>
+            <a:endCxn id="16" idx="5"/>
+          </p:cNvCxnSpPr>
+          <p:nvPr/>
+        </p:nvCxnSpPr>
+        <p:spPr>
+          <a:xfrm rot="16200000" flipH="1">
+            <a:off x="2334020" y="1423868"/>
+            <a:ext cx="12700" cy="986966"/>
+          </a:xfrm>
+          <a:prstGeom prst="curvedConnector3">
+            <a:avLst>
+              <a:gd name="adj1" fmla="val 2298205"/>
+            </a:avLst>
+          </a:prstGeom>
+          <a:ln>
+            <a:tailEnd type="arrow"/>
+          </a:ln>
+        </p:spPr>
+        <p:style>
+          <a:lnRef idx="1">
+            <a:schemeClr val="accent1"/>
+          </a:lnRef>
+          <a:fillRef idx="0">
+            <a:schemeClr val="accent1"/>
+          </a:fillRef>
+          <a:effectRef idx="0">
+            <a:schemeClr val="accent1"/>
+          </a:effectRef>
+          <a:fontRef idx="minor">
+            <a:schemeClr val="tx1"/>
+          </a:fontRef>
+        </p:style>
+      </p:cxnSp>
+      <p:sp>
+        <p:nvSpPr>
+          <p:cNvPr id="39" name="TextBox 38"/>
+          <p:cNvSpPr txBox="1"/>
+          <p:nvPr/>
+        </p:nvSpPr>
+        <p:spPr>
+          <a:xfrm>
+            <a:off x="2111027" y="1953097"/>
+            <a:ext cx="404598" cy="276999"/>
+          </a:xfrm>
+          <a:prstGeom prst="rect">
+            <a:avLst/>
+          </a:prstGeom>
+          <a:noFill/>
+        </p:spPr>
+        <p:txBody>
+          <a:bodyPr wrap="none" rtlCol="0">
+            <a:spAutoFit/>
+          </a:bodyPr>
+          <a:lstStyle/>
+          <a:p>
+            <a:r>
+              <a:rPr lang="en-US" sz="1200" dirty="0" smtClean="0"/>
+              <a:t>any</a:t>
             </a:r>
             <a:endParaRPr lang="ru-RU" sz="1200" dirty="0"/>
           </a:p>
